--- a/LANDLORDS.pptx
+++ b/LANDLORDS.pptx
@@ -5,19 +5,20 @@
     <p:sldMasterId id="2147483648" r:id="rId1"/>
   </p:sldMasterIdLst>
   <p:notesMasterIdLst>
-    <p:notesMasterId r:id="rId12"/>
+    <p:notesMasterId r:id="rId13"/>
   </p:notesMasterIdLst>
   <p:sldIdLst>
     <p:sldId id="257" r:id="rId2"/>
     <p:sldId id="263" r:id="rId3"/>
     <p:sldId id="272" r:id="rId4"/>
-    <p:sldId id="266" r:id="rId5"/>
-    <p:sldId id="268" r:id="rId6"/>
-    <p:sldId id="269" r:id="rId7"/>
-    <p:sldId id="270" r:id="rId8"/>
-    <p:sldId id="271" r:id="rId9"/>
-    <p:sldId id="267" r:id="rId10"/>
-    <p:sldId id="264" r:id="rId11"/>
+    <p:sldId id="273" r:id="rId5"/>
+    <p:sldId id="266" r:id="rId6"/>
+    <p:sldId id="268" r:id="rId7"/>
+    <p:sldId id="269" r:id="rId8"/>
+    <p:sldId id="270" r:id="rId9"/>
+    <p:sldId id="271" r:id="rId10"/>
+    <p:sldId id="267" r:id="rId11"/>
+    <p:sldId id="264" r:id="rId12"/>
   </p:sldIdLst>
   <p:sldSz cx="12192000" cy="6858000"/>
   <p:notesSz cx="6858000" cy="9144000"/>
@@ -120,6 +121,9 @@
     <p:ext uri="{EFAFB233-063F-42B5-8137-9DF3F51BA10A}">
       <p15:sldGuideLst xmlns:p15="http://schemas.microsoft.com/office/powerpoint/2012/main"/>
     </p:ext>
+    <p:ext uri="{2D200454-40CA-4A62-9FC3-DE9A4176ACB9}">
+      <p15:notesGuideLst xmlns:p15="http://schemas.microsoft.com/office/powerpoint/2012/main"/>
+    </p:ext>
   </p:extLst>
 </p:presentation>
 </file>
@@ -206,7 +210,7 @@
           <a:p>
             <a:fld id="{7E03378A-86EC-4A0C-9483-D637FE1316B5}" type="datetimeFigureOut">
               <a:rPr lang="en-US" smtClean="0"/>
-              <a:t>6/4/2019</a:t>
+              <a:t>6/5/2019</a:t>
             </a:fld>
             <a:endParaRPr lang="en-US"/>
           </a:p>
@@ -692,6 +696,90 @@
     </p:spTree>
     <p:extLst>
       <p:ext uri="{BB962C8B-B14F-4D97-AF65-F5344CB8AC3E}">
+        <p14:creationId xmlns:p14="http://schemas.microsoft.com/office/powerpoint/2010/main" val="2949333340"/>
+      </p:ext>
+    </p:extLst>
+  </p:cSld>
+  <p:clrMapOvr>
+    <a:masterClrMapping/>
+  </p:clrMapOvr>
+</p:notes>
+</file>
+
+<file path=ppt/notesSlides/notesSlide11.xml><?xml version="1.0" encoding="utf-8"?>
+<p:notes xmlns:a="http://schemas.openxmlformats.org/drawingml/2006/main" xmlns:r="http://schemas.openxmlformats.org/officeDocument/2006/relationships" xmlns:p="http://schemas.openxmlformats.org/presentationml/2006/main">
+  <p:cSld>
+    <p:spTree>
+      <p:nvGrpSpPr>
+        <p:cNvPr id="1" name=""/>
+        <p:cNvGrpSpPr/>
+        <p:nvPr/>
+      </p:nvGrpSpPr>
+      <p:grpSpPr>
+        <a:xfrm>
+          <a:off x="0" y="0"/>
+          <a:ext cx="0" cy="0"/>
+          <a:chOff x="0" y="0"/>
+          <a:chExt cx="0" cy="0"/>
+        </a:xfrm>
+      </p:grpSpPr>
+      <p:sp>
+        <p:nvSpPr>
+          <p:cNvPr id="2" name="Slide Image Placeholder 1"/>
+          <p:cNvSpPr>
+            <a:spLocks noGrp="1" noRot="1" noChangeAspect="1"/>
+          </p:cNvSpPr>
+          <p:nvPr>
+            <p:ph type="sldImg"/>
+          </p:nvPr>
+        </p:nvSpPr>
+        <p:spPr/>
+      </p:sp>
+      <p:sp>
+        <p:nvSpPr>
+          <p:cNvPr id="3" name="Notes Placeholder 2"/>
+          <p:cNvSpPr>
+            <a:spLocks noGrp="1"/>
+          </p:cNvSpPr>
+          <p:nvPr>
+            <p:ph type="body" idx="1"/>
+          </p:nvPr>
+        </p:nvSpPr>
+        <p:spPr/>
+        <p:txBody>
+          <a:bodyPr/>
+          <a:lstStyle/>
+          <a:p>
+            <a:endParaRPr lang="en-US"/>
+          </a:p>
+        </p:txBody>
+      </p:sp>
+      <p:sp>
+        <p:nvSpPr>
+          <p:cNvPr id="4" name="Slide Number Placeholder 3"/>
+          <p:cNvSpPr>
+            <a:spLocks noGrp="1"/>
+          </p:cNvSpPr>
+          <p:nvPr>
+            <p:ph type="sldNum" sz="quarter" idx="5"/>
+          </p:nvPr>
+        </p:nvSpPr>
+        <p:spPr/>
+        <p:txBody>
+          <a:bodyPr/>
+          <a:lstStyle/>
+          <a:p>
+            <a:fld id="{9E4434FE-5011-4C1D-843A-8B319DA6B2BA}" type="slidenum">
+              <a:rPr lang="en-US" smtClean="0"/>
+              <a:t>11</a:t>
+            </a:fld>
+            <a:endParaRPr lang="en-US"/>
+          </a:p>
+        </p:txBody>
+      </p:sp>
+    </p:spTree>
+    <p:extLst>
+      <p:ext uri="{BB962C8B-B14F-4D97-AF65-F5344CB8AC3E}">
         <p14:creationId xmlns:p14="http://schemas.microsoft.com/office/powerpoint/2010/main" val="383593275"/>
       </p:ext>
     </p:extLst>
@@ -1018,7 +1106,7 @@
           <a:p>
             <a:r>
               <a:rPr lang="en-US" dirty="0"/>
-              <a:t>This slide shows “number of crimes” on the Y axis and “number of evictions on the X axis. </a:t>
+              <a:t>Data Exploration and Clean Up</a:t>
             </a:r>
           </a:p>
           <a:p>
@@ -1027,15 +1115,16 @@
           <a:p>
             <a:r>
               <a:rPr lang="en-US" dirty="0"/>
-              <a:t>We expected areas of high crime to also have a high number of evictions—like the </a:t>
-            </a:r>
-            <a:r>
-              <a:rPr lang="en-US" dirty="0" err="1"/>
-              <a:t>nset</a:t>
-            </a:r>
+              <a:t>This slide shows (left) how parks data was oddly formatted when we first got it. The second snip (right) shows how we corrected the issue.</a:t>
+            </a:r>
+          </a:p>
+          <a:p>
+            <a:endParaRPr lang="en-US" dirty="0"/>
+          </a:p>
+          <a:p>
             <a:r>
               <a:rPr lang="en-US" dirty="0"/>
-              <a:t> graph, upper right.</a:t>
+              <a:t>Parks data was especially dirty without a common delimiter. Integrating the data required a great deal of time.</a:t>
             </a:r>
           </a:p>
           <a:p>
@@ -1044,11 +1133,35 @@
           <a:p>
             <a:r>
               <a:rPr lang="en-US" dirty="0"/>
-              <a:t>Our research suggests that, across all boroughs, as the number of crimes increases, so too does the number of evictions</a:t>
+              <a:t>Other data cleanup notes:</a:t>
             </a:r>
           </a:p>
           <a:p>
             <a:endParaRPr lang="en-US" dirty="0"/>
+          </a:p>
+          <a:p>
+            <a:r>
+              <a:rPr lang="en-US" dirty="0"/>
+              <a:t>Crime, Demographic, Subway, Eviction and Park Data all came from the City of New York’s API and other NYC official sites.</a:t>
+            </a:r>
+          </a:p>
+          <a:p>
+            <a:endParaRPr lang="en-US" dirty="0"/>
+          </a:p>
+          <a:p>
+            <a:r>
+              <a:rPr lang="en-US" dirty="0"/>
+              <a:t>Our data seemed most interesting and understandable when we grouped it by borough.</a:t>
+            </a:r>
+          </a:p>
+          <a:p>
+            <a:endParaRPr lang="en-US" dirty="0"/>
+          </a:p>
+          <a:p>
+            <a:r>
+              <a:rPr lang="en-US" dirty="0"/>
+              <a:t>There are almost as many arrests “for possession of heroin with a  needle” as traffic violations in our NYC crime data.</a:t>
+            </a:r>
           </a:p>
           <a:p>
             <a:endParaRPr lang="en-US" dirty="0"/>
@@ -1081,7 +1194,7 @@
     </p:spTree>
     <p:extLst>
       <p:ext uri="{BB962C8B-B14F-4D97-AF65-F5344CB8AC3E}">
-        <p14:creationId xmlns:p14="http://schemas.microsoft.com/office/powerpoint/2010/main" val="4153435318"/>
+        <p14:creationId xmlns:p14="http://schemas.microsoft.com/office/powerpoint/2010/main" val="2603760393"/>
       </p:ext>
     </p:extLst>
   </p:cSld>
@@ -1137,7 +1250,7 @@
           <a:p>
             <a:r>
               <a:rPr lang="en-US" dirty="0"/>
-              <a:t>This slide shows the “number of subway entrances in a zip code” on the Y axis and the “number of evictions” on the X axis.</a:t>
+              <a:t>This slide shows “number of crimes” on the Y axis and “number of evictions on the X axis. </a:t>
             </a:r>
           </a:p>
           <a:p>
@@ -1146,7 +1259,15 @@
           <a:p>
             <a:r>
               <a:rPr lang="en-US" dirty="0"/>
-              <a:t>We expected that zip codes with greater access to subways would show fewer evictions, like the inset graph upper right. </a:t>
+              <a:t>We expected areas of high crime to also have a high number of evictions—like the </a:t>
+            </a:r>
+            <a:r>
+              <a:rPr lang="en-US" dirty="0" err="1"/>
+              <a:t>nset</a:t>
+            </a:r>
+            <a:r>
+              <a:rPr lang="en-US" dirty="0"/>
+              <a:t> graph, upper right.</a:t>
             </a:r>
           </a:p>
           <a:p>
@@ -1155,34 +1276,7 @@
           <a:p>
             <a:r>
               <a:rPr lang="en-US" dirty="0"/>
-              <a:t>The logic was that people with ready access to public transportation like the subway would be more likely to hold jobs and keep up on rent payments</a:t>
-            </a:r>
-          </a:p>
-          <a:p>
-            <a:endParaRPr lang="en-US" dirty="0"/>
-          </a:p>
-          <a:p>
-            <a:r>
-              <a:rPr lang="en-US" dirty="0"/>
-              <a:t>The data we collected and analyzed does not support that idea.</a:t>
-            </a:r>
-          </a:p>
-          <a:p>
-            <a:endParaRPr lang="en-US" dirty="0"/>
-          </a:p>
-          <a:p>
-            <a:r>
-              <a:rPr lang="en-US" dirty="0"/>
-              <a:t>Instead, what we see is a cluster of zip codes with a similar number of subway entrances (15 or fewer) with varying levels of crime associated with the same zip code. </a:t>
-            </a:r>
-          </a:p>
-          <a:p>
-            <a:endParaRPr lang="en-US" dirty="0"/>
-          </a:p>
-          <a:p>
-            <a:r>
-              <a:rPr lang="en-US" dirty="0"/>
-              <a:t>Elsewhere, places like Grand Central Station in NYC (with upwards of 30 subway entrances), stand out as having a very low number of evictions, but we’d expect that – compared to the other zip codes in the city, there are likely fewer rental properties in Grand Central Station’s zip code.</a:t>
+              <a:t>Our research suggests that, across all boroughs, as the number of crimes increases, so too does the number of evictions</a:t>
             </a:r>
           </a:p>
           <a:p>
@@ -1219,7 +1313,7 @@
     </p:spTree>
     <p:extLst>
       <p:ext uri="{BB962C8B-B14F-4D97-AF65-F5344CB8AC3E}">
-        <p14:creationId xmlns:p14="http://schemas.microsoft.com/office/powerpoint/2010/main" val="1917158203"/>
+        <p14:creationId xmlns:p14="http://schemas.microsoft.com/office/powerpoint/2010/main" val="4153435318"/>
       </p:ext>
     </p:extLst>
   </p:cSld>
@@ -1275,7 +1369,7 @@
           <a:p>
             <a:r>
               <a:rPr lang="en-US" dirty="0"/>
-              <a:t>This slide shows “acres of parks” on the Y axis and the “number of evictions” on the X axis.</a:t>
+              <a:t>This slide shows the “number of subway entrances in a zip code” on the Y axis and the “number of evictions” on the X axis.</a:t>
             </a:r>
           </a:p>
           <a:p>
@@ -1284,7 +1378,7 @@
           <a:p>
             <a:r>
               <a:rPr lang="en-US" dirty="0"/>
-              <a:t>We expected that green space—either because of the affluence required to live near it, or the mental health benefits of having access to a park—would be related to a lower number of evictions. See inset graph, upper right.</a:t>
+              <a:t>We expected that zip codes with greater access to subways would show fewer evictions, like the inset graph upper right. </a:t>
             </a:r>
           </a:p>
           <a:p>
@@ -1293,7 +1387,7 @@
           <a:p>
             <a:r>
               <a:rPr lang="en-US" dirty="0"/>
-              <a:t>The data we collected and analyzed does not seem to support that idea, although further research may. </a:t>
+              <a:t>The logic was that people with ready access to public transportation like the subway would be more likely to hold jobs and keep up on rent payments</a:t>
             </a:r>
           </a:p>
           <a:p>
@@ -1302,7 +1396,25 @@
           <a:p>
             <a:r>
               <a:rPr lang="en-US" dirty="0"/>
-              <a:t>We took a closer look at the Parks data around the X Y intercept to see if the clustered points could tell us anything on closer examination. (next slide)</a:t>
+              <a:t>The data we collected and analyzed does not support that idea.</a:t>
+            </a:r>
+          </a:p>
+          <a:p>
+            <a:endParaRPr lang="en-US" dirty="0"/>
+          </a:p>
+          <a:p>
+            <a:r>
+              <a:rPr lang="en-US" dirty="0"/>
+              <a:t>Instead, what we see is a cluster of zip codes with a similar number of subway entrances (15 or fewer) with varying levels of crime associated with the same zip code. </a:t>
+            </a:r>
+          </a:p>
+          <a:p>
+            <a:endParaRPr lang="en-US" dirty="0"/>
+          </a:p>
+          <a:p>
+            <a:r>
+              <a:rPr lang="en-US" dirty="0"/>
+              <a:t>Elsewhere, places like Grand Central Station in NYC (with upwards of 30 subway entrances), stand out as having a very low number of evictions, but we’d expect that – compared to the other zip codes in the city, there are likely fewer rental properties in Grand Central Station’s zip code.</a:t>
             </a:r>
           </a:p>
           <a:p>
@@ -1339,7 +1451,7 @@
     </p:spTree>
     <p:extLst>
       <p:ext uri="{BB962C8B-B14F-4D97-AF65-F5344CB8AC3E}">
-        <p14:creationId xmlns:p14="http://schemas.microsoft.com/office/powerpoint/2010/main" val="2246090134"/>
+        <p14:creationId xmlns:p14="http://schemas.microsoft.com/office/powerpoint/2010/main" val="1917158203"/>
       </p:ext>
     </p:extLst>
   </p:cSld>
@@ -1395,7 +1507,7 @@
           <a:p>
             <a:r>
               <a:rPr lang="en-US" dirty="0"/>
-              <a:t>In this graphic, we’ve limited the X and Y axis so the cluster at the X Y intercept of our original Parks graph (inset, lower right) can be viewed in more detail.</a:t>
+              <a:t>This slide shows “acres of parks” on the Y axis and the “number of evictions” on the X axis.</a:t>
             </a:r>
           </a:p>
           <a:p>
@@ -1404,7 +1516,7 @@
           <a:p>
             <a:r>
               <a:rPr lang="en-US" dirty="0"/>
-              <a:t>The Y axis remains “acres of parks” the x axis is still “number of evictions.”</a:t>
+              <a:t>We expected that green space—either because of the affluence required to live near it, or the mental health benefits of having access to a park—would be related to a lower number of evictions. See inset graph, upper right.</a:t>
             </a:r>
           </a:p>
           <a:p>
@@ -1413,7 +1525,7 @@
           <a:p>
             <a:r>
               <a:rPr lang="en-US" dirty="0"/>
-              <a:t>The story it tells us is that many zip codes in the city have little access to green space, and that if access to green space is related to lower eviction rates, our data does not prove it, even on slightly closer examination.</a:t>
+              <a:t>The data we collected and analyzed does not seem to support that idea, although further research may. </a:t>
             </a:r>
           </a:p>
           <a:p>
@@ -1422,8 +1534,14 @@
           <a:p>
             <a:r>
               <a:rPr lang="en-US" dirty="0"/>
-              <a:t>One of the more subtle but tough challenges we uncovered is that Park Acreage (and subway entrances too) are different in nature from Evictions and Crimes. Parks are places; evictions and crimes are events. If we carried the research further, we’d want to supplement our data with something we felt compensated for the difference.</a:t>
-            </a:r>
+              <a:t>We took a closer look at the Parks data around the X Y intercept to see if the clustered points could tell us anything on closer examination. (next slide)</a:t>
+            </a:r>
+          </a:p>
+          <a:p>
+            <a:endParaRPr lang="en-US" dirty="0"/>
+          </a:p>
+          <a:p>
+            <a:endParaRPr lang="en-US" dirty="0"/>
           </a:p>
         </p:txBody>
       </p:sp>
@@ -1453,7 +1571,7 @@
     </p:spTree>
     <p:extLst>
       <p:ext uri="{BB962C8B-B14F-4D97-AF65-F5344CB8AC3E}">
-        <p14:creationId xmlns:p14="http://schemas.microsoft.com/office/powerpoint/2010/main" val="1244182960"/>
+        <p14:creationId xmlns:p14="http://schemas.microsoft.com/office/powerpoint/2010/main" val="2246090134"/>
       </p:ext>
     </p:extLst>
   </p:cSld>
@@ -1509,7 +1627,7 @@
           <a:p>
             <a:r>
               <a:rPr lang="en-US" dirty="0"/>
-              <a:t>On the right, this slide shows the number of evictions by month in NYC by borough. The number of evictions is on the Y axis this time, and the X axis holds each month of the year.</a:t>
+              <a:t>In this graphic, we’ve limited the X and Y axis so the cluster at the X Y intercept of our original Parks graph (inset, lower right) can be viewed in more detail.</a:t>
             </a:r>
           </a:p>
           <a:p>
@@ -1518,7 +1636,7 @@
           <a:p>
             <a:r>
               <a:rPr lang="en-US" dirty="0"/>
-              <a:t>We thought that time of year would have a relationship to the number of evictions because NYC is cold in the winter. The logic was that landlords would evict fewer tenants in cold months and more when it was warmer.</a:t>
+              <a:t>The Y axis remains “acres of parks” the x axis is still “number of evictions.”</a:t>
             </a:r>
           </a:p>
           <a:p>
@@ -1527,7 +1645,7 @@
           <a:p>
             <a:r>
               <a:rPr lang="en-US" dirty="0"/>
-              <a:t>The timing of evictions doesn’t seem to be related to cold weather, but there is a clear pattern of decreasing evictions from Jan through Dec. This may be a reflection  of either the annual nature of rental agreements or proof that landlords have completely lost their Christmas Spirit once the New Year starts.</a:t>
+              <a:t>The story it tells us is that many zip codes in the city have little access to green space, and that if access to green space is related to lower eviction rates, our data does not prove it, even on slightly closer examination.</a:t>
             </a:r>
           </a:p>
           <a:p>
@@ -1536,7 +1654,7 @@
           <a:p>
             <a:r>
               <a:rPr lang="en-US" dirty="0"/>
-              <a:t>At left, a graph showing the number of arrests by month in NYC. The number of arrests are on the Y axis, and the X axis holds each month of the year.</a:t>
+              <a:t>One of the more subtle but tough challenges we uncovered is that Park Acreage (and subway entrances too) are different in nature from Evictions and Crimes. Parks are places; evictions and crimes are events. If we carried the research further, we’d want to supplement our data with something we felt compensated for the difference.</a:t>
             </a:r>
           </a:p>
         </p:txBody>
@@ -1567,7 +1685,7 @@
     </p:spTree>
     <p:extLst>
       <p:ext uri="{BB962C8B-B14F-4D97-AF65-F5344CB8AC3E}">
-        <p14:creationId xmlns:p14="http://schemas.microsoft.com/office/powerpoint/2010/main" val="3370217069"/>
+        <p14:creationId xmlns:p14="http://schemas.microsoft.com/office/powerpoint/2010/main" val="1244182960"/>
       </p:ext>
     </p:extLst>
   </p:cSld>
@@ -1621,7 +1739,37 @@
           <a:bodyPr/>
           <a:lstStyle/>
           <a:p>
-            <a:endParaRPr lang="en-US"/>
+            <a:r>
+              <a:rPr lang="en-US" dirty="0"/>
+              <a:t>On the right, this slide shows the number of evictions by month in NYC by borough. The number of evictions is on the Y axis this time, and the X axis holds each month of the year.</a:t>
+            </a:r>
+          </a:p>
+          <a:p>
+            <a:endParaRPr lang="en-US" dirty="0"/>
+          </a:p>
+          <a:p>
+            <a:r>
+              <a:rPr lang="en-US" dirty="0"/>
+              <a:t>We thought that time of year would have a relationship to the number of evictions because NYC is cold in the winter. The logic was that landlords would evict fewer tenants in cold months and more when it was warmer.</a:t>
+            </a:r>
+          </a:p>
+          <a:p>
+            <a:endParaRPr lang="en-US" dirty="0"/>
+          </a:p>
+          <a:p>
+            <a:r>
+              <a:rPr lang="en-US" dirty="0"/>
+              <a:t>The timing of evictions doesn’t seem to be related to cold weather, but there is a clear pattern of decreasing evictions from Jan through Dec. This may be a reflection  of either the annual nature of rental agreements or proof that landlords have completely lost their Christmas Spirit once the New Year starts.</a:t>
+            </a:r>
+          </a:p>
+          <a:p>
+            <a:endParaRPr lang="en-US" dirty="0"/>
+          </a:p>
+          <a:p>
+            <a:r>
+              <a:rPr lang="en-US" dirty="0"/>
+              <a:t>At left, a graph showing the number of arrests by month in NYC. The number of arrests are on the Y axis, and the X axis holds each month of the year.</a:t>
+            </a:r>
           </a:p>
         </p:txBody>
       </p:sp>
@@ -1651,7 +1799,7 @@
     </p:spTree>
     <p:extLst>
       <p:ext uri="{BB962C8B-B14F-4D97-AF65-F5344CB8AC3E}">
-        <p14:creationId xmlns:p14="http://schemas.microsoft.com/office/powerpoint/2010/main" val="2949333340"/>
+        <p14:creationId xmlns:p14="http://schemas.microsoft.com/office/powerpoint/2010/main" val="3370217069"/>
       </p:ext>
     </p:extLst>
   </p:cSld>
@@ -1808,7 +1956,7 @@
           <a:p>
             <a:fld id="{2DA18BE8-36AC-4F35-BE26-F4F0B56A4A55}" type="datetimeFigureOut">
               <a:rPr lang="en-US" smtClean="0"/>
-              <a:t>6/4/2019</a:t>
+              <a:t>6/5/2019</a:t>
             </a:fld>
             <a:endParaRPr lang="en-US"/>
           </a:p>
@@ -2006,7 +2154,7 @@
           <a:p>
             <a:fld id="{2DA18BE8-36AC-4F35-BE26-F4F0B56A4A55}" type="datetimeFigureOut">
               <a:rPr lang="en-US" smtClean="0"/>
-              <a:t>6/4/2019</a:t>
+              <a:t>6/5/2019</a:t>
             </a:fld>
             <a:endParaRPr lang="en-US"/>
           </a:p>
@@ -2214,7 +2362,7 @@
           <a:p>
             <a:fld id="{2DA18BE8-36AC-4F35-BE26-F4F0B56A4A55}" type="datetimeFigureOut">
               <a:rPr lang="en-US" smtClean="0"/>
-              <a:t>6/4/2019</a:t>
+              <a:t>6/5/2019</a:t>
             </a:fld>
             <a:endParaRPr lang="en-US"/>
           </a:p>
@@ -2412,7 +2560,7 @@
           <a:p>
             <a:fld id="{2DA18BE8-36AC-4F35-BE26-F4F0B56A4A55}" type="datetimeFigureOut">
               <a:rPr lang="en-US" smtClean="0"/>
-              <a:t>6/4/2019</a:t>
+              <a:t>6/5/2019</a:t>
             </a:fld>
             <a:endParaRPr lang="en-US"/>
           </a:p>
@@ -2687,7 +2835,7 @@
           <a:p>
             <a:fld id="{2DA18BE8-36AC-4F35-BE26-F4F0B56A4A55}" type="datetimeFigureOut">
               <a:rPr lang="en-US" smtClean="0"/>
-              <a:t>6/4/2019</a:t>
+              <a:t>6/5/2019</a:t>
             </a:fld>
             <a:endParaRPr lang="en-US"/>
           </a:p>
@@ -2952,7 +3100,7 @@
           <a:p>
             <a:fld id="{2DA18BE8-36AC-4F35-BE26-F4F0B56A4A55}" type="datetimeFigureOut">
               <a:rPr lang="en-US" smtClean="0"/>
-              <a:t>6/4/2019</a:t>
+              <a:t>6/5/2019</a:t>
             </a:fld>
             <a:endParaRPr lang="en-US"/>
           </a:p>
@@ -3364,7 +3512,7 @@
           <a:p>
             <a:fld id="{2DA18BE8-36AC-4F35-BE26-F4F0B56A4A55}" type="datetimeFigureOut">
               <a:rPr lang="en-US" smtClean="0"/>
-              <a:t>6/4/2019</a:t>
+              <a:t>6/5/2019</a:t>
             </a:fld>
             <a:endParaRPr lang="en-US"/>
           </a:p>
@@ -3505,7 +3653,7 @@
           <a:p>
             <a:fld id="{2DA18BE8-36AC-4F35-BE26-F4F0B56A4A55}" type="datetimeFigureOut">
               <a:rPr lang="en-US" smtClean="0"/>
-              <a:t>6/4/2019</a:t>
+              <a:t>6/5/2019</a:t>
             </a:fld>
             <a:endParaRPr lang="en-US"/>
           </a:p>
@@ -3618,7 +3766,7 @@
           <a:p>
             <a:fld id="{2DA18BE8-36AC-4F35-BE26-F4F0B56A4A55}" type="datetimeFigureOut">
               <a:rPr lang="en-US" smtClean="0"/>
-              <a:t>6/4/2019</a:t>
+              <a:t>6/5/2019</a:t>
             </a:fld>
             <a:endParaRPr lang="en-US"/>
           </a:p>
@@ -3929,7 +4077,7 @@
           <a:p>
             <a:fld id="{2DA18BE8-36AC-4F35-BE26-F4F0B56A4A55}" type="datetimeFigureOut">
               <a:rPr lang="en-US" smtClean="0"/>
-              <a:t>6/4/2019</a:t>
+              <a:t>6/5/2019</a:t>
             </a:fld>
             <a:endParaRPr lang="en-US"/>
           </a:p>
@@ -4217,7 +4365,7 @@
           <a:p>
             <a:fld id="{2DA18BE8-36AC-4F35-BE26-F4F0B56A4A55}" type="datetimeFigureOut">
               <a:rPr lang="en-US" smtClean="0"/>
-              <a:t>6/4/2019</a:t>
+              <a:t>6/5/2019</a:t>
             </a:fld>
             <a:endParaRPr lang="en-US"/>
           </a:p>
@@ -4458,7 +4606,7 @@
           <a:p>
             <a:fld id="{2DA18BE8-36AC-4F35-BE26-F4F0B56A4A55}" type="datetimeFigureOut">
               <a:rPr lang="en-US" smtClean="0"/>
-              <a:t>6/4/2019</a:t>
+              <a:t>6/5/2019</a:t>
             </a:fld>
             <a:endParaRPr lang="en-US"/>
           </a:p>
@@ -5035,6 +5183,142 @@
           <p:cNvPr id="2" name="Title 1">
             <a:extLst>
               <a:ext uri="{FF2B5EF4-FFF2-40B4-BE49-F238E27FC236}">
+                <a16:creationId xmlns:a16="http://schemas.microsoft.com/office/drawing/2014/main" id="{E884D71B-E903-4925-9F7A-2F5D0F767846}"/>
+              </a:ext>
+            </a:extLst>
+          </p:cNvPr>
+          <p:cNvSpPr>
+            <a:spLocks noGrp="1"/>
+          </p:cNvSpPr>
+          <p:nvPr>
+            <p:ph type="title"/>
+          </p:nvPr>
+        </p:nvSpPr>
+        <p:spPr/>
+        <p:txBody>
+          <a:bodyPr>
+            <a:normAutofit/>
+          </a:bodyPr>
+          <a:lstStyle/>
+          <a:p>
+            <a:r>
+              <a:rPr lang="en-US" sz="2800" dirty="0"/>
+              <a:t>Discussion</a:t>
+            </a:r>
+          </a:p>
+        </p:txBody>
+      </p:sp>
+      <p:sp>
+        <p:nvSpPr>
+          <p:cNvPr id="3" name="Content Placeholder 2">
+            <a:extLst>
+              <a:ext uri="{FF2B5EF4-FFF2-40B4-BE49-F238E27FC236}">
+                <a16:creationId xmlns:a16="http://schemas.microsoft.com/office/drawing/2014/main" id="{46C4ED01-BE9E-463A-8796-7FDB392FE6FD}"/>
+              </a:ext>
+            </a:extLst>
+          </p:cNvPr>
+          <p:cNvSpPr>
+            <a:spLocks noGrp="1"/>
+          </p:cNvSpPr>
+          <p:nvPr>
+            <p:ph idx="1"/>
+          </p:nvPr>
+        </p:nvSpPr>
+        <p:spPr/>
+        <p:txBody>
+          <a:bodyPr>
+            <a:noAutofit/>
+          </a:bodyPr>
+          <a:lstStyle/>
+          <a:p>
+            <a:r>
+              <a:rPr lang="en-US" sz="2000" dirty="0"/>
+              <a:t>Discussion</a:t>
+            </a:r>
+          </a:p>
+          <a:p>
+            <a:pPr marL="914400" lvl="2" indent="0">
+              <a:buNone/>
+            </a:pPr>
+            <a:endParaRPr lang="en-US" dirty="0"/>
+          </a:p>
+          <a:p>
+            <a:pPr lvl="1"/>
+            <a:r>
+              <a:rPr lang="en-US" sz="2000" dirty="0"/>
+              <a:t>Evictions and crime seem to be related—in boroughs as crime increases, so too do evictions.</a:t>
+            </a:r>
+          </a:p>
+          <a:p>
+            <a:pPr lvl="1"/>
+            <a:endParaRPr lang="en-US" sz="2000" dirty="0"/>
+          </a:p>
+          <a:p>
+            <a:pPr lvl="1"/>
+            <a:r>
+              <a:rPr lang="en-US" sz="2000" dirty="0"/>
+              <a:t>Data for Subway Entrances &amp; Parks are different from data for Crimes &amp; Evictions. To determine if a relationship exists between parks and subway access, we’d want to look at different data</a:t>
+            </a:r>
+          </a:p>
+          <a:p>
+            <a:pPr lvl="1"/>
+            <a:endParaRPr lang="en-US" sz="2000" dirty="0"/>
+          </a:p>
+          <a:p>
+            <a:pPr lvl="1"/>
+            <a:r>
+              <a:rPr lang="en-US" sz="2000" dirty="0"/>
+              <a:t>Additional questions that came up included new ideas and a few intended to prove out relationships we couldn’t establish in this project. For example:</a:t>
+            </a:r>
+          </a:p>
+          <a:p>
+            <a:pPr lvl="2"/>
+            <a:r>
+              <a:rPr lang="en-US" dirty="0"/>
+              <a:t>Type of crime by borough; demographics of those who are evicted; breaking down which crimes happen where; more carefully defining “crime” so that crimes unrelated to evictions may be excluded</a:t>
+            </a:r>
+          </a:p>
+          <a:p>
+            <a:pPr lvl="1"/>
+            <a:endParaRPr lang="en-US" sz="2000" dirty="0"/>
+          </a:p>
+        </p:txBody>
+      </p:sp>
+    </p:spTree>
+    <p:extLst>
+      <p:ext uri="{BB962C8B-B14F-4D97-AF65-F5344CB8AC3E}">
+        <p14:creationId xmlns:p14="http://schemas.microsoft.com/office/powerpoint/2010/main" val="1891544768"/>
+      </p:ext>
+    </p:extLst>
+  </p:cSld>
+  <p:clrMapOvr>
+    <a:masterClrMapping/>
+  </p:clrMapOvr>
+</p:sld>
+</file>
+
+<file path=ppt/slides/slide11.xml><?xml version="1.0" encoding="utf-8"?>
+<p:sld xmlns:a="http://schemas.openxmlformats.org/drawingml/2006/main" xmlns:r="http://schemas.openxmlformats.org/officeDocument/2006/relationships" xmlns:p="http://schemas.openxmlformats.org/presentationml/2006/main">
+  <p:cSld>
+    <p:spTree>
+      <p:nvGrpSpPr>
+        <p:cNvPr id="1" name=""/>
+        <p:cNvGrpSpPr/>
+        <p:nvPr/>
+      </p:nvGrpSpPr>
+      <p:grpSpPr>
+        <a:xfrm>
+          <a:off x="0" y="0"/>
+          <a:ext cx="0" cy="0"/>
+          <a:chOff x="0" y="0"/>
+          <a:chExt cx="0" cy="0"/>
+        </a:xfrm>
+      </p:grpSpPr>
+      <p:sp>
+        <p:nvSpPr>
+          <p:cNvPr id="2" name="Title 1">
+            <a:extLst>
+              <a:ext uri="{FF2B5EF4-FFF2-40B4-BE49-F238E27FC236}">
                 <a16:creationId xmlns:a16="http://schemas.microsoft.com/office/drawing/2014/main" id="{2FF03005-F92E-442C-8108-03BD3A5E72F3}"/>
               </a:ext>
             </a:extLst>
@@ -5401,6 +5685,115 @@
       </p:grpSpPr>
       <p:sp>
         <p:nvSpPr>
+          <p:cNvPr id="2" name="Rectangle 1">
+            <a:extLst>
+              <a:ext uri="{FF2B5EF4-FFF2-40B4-BE49-F238E27FC236}">
+                <a16:creationId xmlns:a16="http://schemas.microsoft.com/office/drawing/2014/main" id="{4F401EBE-51F0-4FD9-BD4E-FF7282EAB489}"/>
+              </a:ext>
+            </a:extLst>
+          </p:cNvPr>
+          <p:cNvSpPr/>
+          <p:nvPr/>
+        </p:nvSpPr>
+        <p:spPr>
+          <a:xfrm>
+            <a:off x="637739" y="496371"/>
+            <a:ext cx="11125174" cy="523220"/>
+          </a:xfrm>
+          <a:prstGeom prst="rect">
+            <a:avLst/>
+          </a:prstGeom>
+        </p:spPr>
+        <p:txBody>
+          <a:bodyPr wrap="square">
+            <a:spAutoFit/>
+          </a:bodyPr>
+          <a:lstStyle/>
+          <a:p>
+            <a:r>
+              <a:rPr lang="en-US" sz="2800" dirty="0"/>
+              <a:t>Sample </a:t>
+            </a:r>
+            <a:r>
+              <a:rPr lang="en-US" sz="2800" dirty="0" err="1"/>
+              <a:t>Jupyter</a:t>
+            </a:r>
+            <a:r>
+              <a:rPr lang="en-US" sz="2800" dirty="0"/>
+              <a:t> Notebook: </a:t>
+            </a:r>
+            <a:r>
+              <a:rPr lang="en-US" sz="2800" dirty="0" err="1"/>
+              <a:t>Itter</a:t>
+            </a:r>
+            <a:r>
+              <a:rPr lang="en-US" sz="2800" dirty="0"/>
+              <a:t> This</a:t>
+            </a:r>
+          </a:p>
+        </p:txBody>
+      </p:sp>
+      <p:pic>
+        <p:nvPicPr>
+          <p:cNvPr id="3" name="Picture 2">
+            <a:extLst>
+              <a:ext uri="{FF2B5EF4-FFF2-40B4-BE49-F238E27FC236}">
+                <a16:creationId xmlns:a16="http://schemas.microsoft.com/office/drawing/2014/main" id="{8AAEEC4D-61D3-4C79-9E27-D2F7FECB2C4A}"/>
+              </a:ext>
+            </a:extLst>
+          </p:cNvPr>
+          <p:cNvPicPr>
+            <a:picLocks noChangeAspect="1"/>
+          </p:cNvPicPr>
+          <p:nvPr/>
+        </p:nvPicPr>
+        <p:blipFill rotWithShape="1">
+          <a:blip r:embed="rId3"/>
+          <a:srcRect l="23167" t="37495" r="22166" b="12485"/>
+          <a:stretch/>
+        </p:blipFill>
+        <p:spPr>
+          <a:xfrm>
+            <a:off x="995679" y="1300480"/>
+            <a:ext cx="9873248" cy="4846320"/>
+          </a:xfrm>
+          <a:prstGeom prst="rect">
+            <a:avLst/>
+          </a:prstGeom>
+        </p:spPr>
+      </p:pic>
+    </p:spTree>
+    <p:extLst>
+      <p:ext uri="{BB962C8B-B14F-4D97-AF65-F5344CB8AC3E}">
+        <p14:creationId xmlns:p14="http://schemas.microsoft.com/office/powerpoint/2010/main" val="1542570972"/>
+      </p:ext>
+    </p:extLst>
+  </p:cSld>
+  <p:clrMapOvr>
+    <a:masterClrMapping/>
+  </p:clrMapOvr>
+</p:sld>
+</file>
+
+<file path=ppt/slides/slide5.xml><?xml version="1.0" encoding="utf-8"?>
+<p:sld xmlns:a="http://schemas.openxmlformats.org/drawingml/2006/main" xmlns:r="http://schemas.openxmlformats.org/officeDocument/2006/relationships" xmlns:p="http://schemas.openxmlformats.org/presentationml/2006/main">
+  <p:cSld>
+    <p:spTree>
+      <p:nvGrpSpPr>
+        <p:cNvPr id="1" name=""/>
+        <p:cNvGrpSpPr/>
+        <p:nvPr/>
+      </p:nvGrpSpPr>
+      <p:grpSpPr>
+        <a:xfrm>
+          <a:off x="0" y="0"/>
+          <a:ext cx="0" cy="0"/>
+          <a:chOff x="0" y="0"/>
+          <a:chExt cx="0" cy="0"/>
+        </a:xfrm>
+      </p:grpSpPr>
+      <p:sp>
+        <p:nvSpPr>
           <p:cNvPr id="2" name="Title 1">
             <a:extLst>
               <a:ext uri="{FF2B5EF4-FFF2-40B4-BE49-F238E27FC236}">
@@ -5578,7 +5971,7 @@
 </p:sld>
 </file>
 
-<file path=ppt/slides/slide5.xml><?xml version="1.0" encoding="utf-8"?>
+<file path=ppt/slides/slide6.xml><?xml version="1.0" encoding="utf-8"?>
 <p:sld xmlns:a="http://schemas.openxmlformats.org/drawingml/2006/main" xmlns:r="http://schemas.openxmlformats.org/officeDocument/2006/relationships" xmlns:p="http://schemas.openxmlformats.org/presentationml/2006/main">
   <p:cSld>
     <p:spTree>
@@ -5775,7 +6168,7 @@
 </p:sld>
 </file>
 
-<file path=ppt/slides/slide6.xml><?xml version="1.0" encoding="utf-8"?>
+<file path=ppt/slides/slide7.xml><?xml version="1.0" encoding="utf-8"?>
 <p:sld xmlns:a="http://schemas.openxmlformats.org/drawingml/2006/main" xmlns:r="http://schemas.openxmlformats.org/officeDocument/2006/relationships" xmlns:p="http://schemas.openxmlformats.org/presentationml/2006/main">
   <p:cSld>
     <p:spTree>
@@ -6070,7 +6463,7 @@
 </p:sld>
 </file>
 
-<file path=ppt/slides/slide7.xml><?xml version="1.0" encoding="utf-8"?>
+<file path=ppt/slides/slide8.xml><?xml version="1.0" encoding="utf-8"?>
 <p:sld xmlns:a="http://schemas.openxmlformats.org/drawingml/2006/main" xmlns:r="http://schemas.openxmlformats.org/officeDocument/2006/relationships" xmlns:p="http://schemas.openxmlformats.org/presentationml/2006/main">
   <p:cSld>
     <p:spTree>
@@ -6304,7 +6697,7 @@
 </p:sld>
 </file>
 
-<file path=ppt/slides/slide8.xml><?xml version="1.0" encoding="utf-8"?>
+<file path=ppt/slides/slide9.xml><?xml version="1.0" encoding="utf-8"?>
 <p:sld xmlns:a="http://schemas.openxmlformats.org/drawingml/2006/main" xmlns:r="http://schemas.openxmlformats.org/officeDocument/2006/relationships" xmlns:p="http://schemas.openxmlformats.org/presentationml/2006/main">
   <p:cSld>
     <p:spTree>
@@ -6492,142 +6885,6 @@
     <p:extLst>
       <p:ext uri="{BB962C8B-B14F-4D97-AF65-F5344CB8AC3E}">
         <p14:creationId xmlns:p14="http://schemas.microsoft.com/office/powerpoint/2010/main" val="3838751265"/>
-      </p:ext>
-    </p:extLst>
-  </p:cSld>
-  <p:clrMapOvr>
-    <a:masterClrMapping/>
-  </p:clrMapOvr>
-</p:sld>
-</file>
-
-<file path=ppt/slides/slide9.xml><?xml version="1.0" encoding="utf-8"?>
-<p:sld xmlns:a="http://schemas.openxmlformats.org/drawingml/2006/main" xmlns:r="http://schemas.openxmlformats.org/officeDocument/2006/relationships" xmlns:p="http://schemas.openxmlformats.org/presentationml/2006/main">
-  <p:cSld>
-    <p:spTree>
-      <p:nvGrpSpPr>
-        <p:cNvPr id="1" name=""/>
-        <p:cNvGrpSpPr/>
-        <p:nvPr/>
-      </p:nvGrpSpPr>
-      <p:grpSpPr>
-        <a:xfrm>
-          <a:off x="0" y="0"/>
-          <a:ext cx="0" cy="0"/>
-          <a:chOff x="0" y="0"/>
-          <a:chExt cx="0" cy="0"/>
-        </a:xfrm>
-      </p:grpSpPr>
-      <p:sp>
-        <p:nvSpPr>
-          <p:cNvPr id="2" name="Title 1">
-            <a:extLst>
-              <a:ext uri="{FF2B5EF4-FFF2-40B4-BE49-F238E27FC236}">
-                <a16:creationId xmlns:a16="http://schemas.microsoft.com/office/drawing/2014/main" id="{E884D71B-E903-4925-9F7A-2F5D0F767846}"/>
-              </a:ext>
-            </a:extLst>
-          </p:cNvPr>
-          <p:cNvSpPr>
-            <a:spLocks noGrp="1"/>
-          </p:cNvSpPr>
-          <p:nvPr>
-            <p:ph type="title"/>
-          </p:nvPr>
-        </p:nvSpPr>
-        <p:spPr/>
-        <p:txBody>
-          <a:bodyPr>
-            <a:normAutofit/>
-          </a:bodyPr>
-          <a:lstStyle/>
-          <a:p>
-            <a:r>
-              <a:rPr lang="en-US" sz="2800" dirty="0"/>
-              <a:t>Discussion</a:t>
-            </a:r>
-          </a:p>
-        </p:txBody>
-      </p:sp>
-      <p:sp>
-        <p:nvSpPr>
-          <p:cNvPr id="3" name="Content Placeholder 2">
-            <a:extLst>
-              <a:ext uri="{FF2B5EF4-FFF2-40B4-BE49-F238E27FC236}">
-                <a16:creationId xmlns:a16="http://schemas.microsoft.com/office/drawing/2014/main" id="{46C4ED01-BE9E-463A-8796-7FDB392FE6FD}"/>
-              </a:ext>
-            </a:extLst>
-          </p:cNvPr>
-          <p:cNvSpPr>
-            <a:spLocks noGrp="1"/>
-          </p:cNvSpPr>
-          <p:nvPr>
-            <p:ph idx="1"/>
-          </p:nvPr>
-        </p:nvSpPr>
-        <p:spPr/>
-        <p:txBody>
-          <a:bodyPr>
-            <a:noAutofit/>
-          </a:bodyPr>
-          <a:lstStyle/>
-          <a:p>
-            <a:r>
-              <a:rPr lang="en-US" sz="2000" dirty="0"/>
-              <a:t>Discussion</a:t>
-            </a:r>
-          </a:p>
-          <a:p>
-            <a:pPr marL="914400" lvl="2" indent="0">
-              <a:buNone/>
-            </a:pPr>
-            <a:endParaRPr lang="en-US" dirty="0"/>
-          </a:p>
-          <a:p>
-            <a:pPr lvl="1"/>
-            <a:r>
-              <a:rPr lang="en-US" sz="2000" dirty="0"/>
-              <a:t>Evictions and crime seem to be related—in boroughs as crime increases, so too do evictions.</a:t>
-            </a:r>
-          </a:p>
-          <a:p>
-            <a:pPr lvl="1"/>
-            <a:endParaRPr lang="en-US" sz="2000" dirty="0"/>
-          </a:p>
-          <a:p>
-            <a:pPr lvl="1"/>
-            <a:r>
-              <a:rPr lang="en-US" sz="2000" dirty="0"/>
-              <a:t>Data for Subway Entrances &amp; Parks are different from data for Crimes &amp; Evictions. To determine if a relationship exists between parks and subway access, we’d want to look at different data</a:t>
-            </a:r>
-          </a:p>
-          <a:p>
-            <a:pPr lvl="1"/>
-            <a:endParaRPr lang="en-US" sz="2000" dirty="0"/>
-          </a:p>
-          <a:p>
-            <a:pPr lvl="1"/>
-            <a:r>
-              <a:rPr lang="en-US" sz="2000" dirty="0"/>
-              <a:t>Additional questions that came up included new ideas and a few intended to prove out relationships we couldn’t establish in this project. For example:</a:t>
-            </a:r>
-          </a:p>
-          <a:p>
-            <a:pPr lvl="2"/>
-            <a:r>
-              <a:rPr lang="en-US" dirty="0"/>
-              <a:t>Type of crime by borough; demographics of those who are evicted; breaking down which crimes happen where; more carefully defining “crime” so that crimes unrelated to evictions may be excluded</a:t>
-            </a:r>
-          </a:p>
-          <a:p>
-            <a:pPr lvl="1"/>
-            <a:endParaRPr lang="en-US" sz="2000" dirty="0"/>
-          </a:p>
-        </p:txBody>
-      </p:sp>
-    </p:spTree>
-    <p:extLst>
-      <p:ext uri="{BB962C8B-B14F-4D97-AF65-F5344CB8AC3E}">
-        <p14:creationId xmlns:p14="http://schemas.microsoft.com/office/powerpoint/2010/main" val="1891544768"/>
       </p:ext>
     </p:extLst>
   </p:cSld>
